--- a/Machine Learning Demo Dayv2.pptx
+++ b/Machine Learning Demo Dayv2.pptx
@@ -289,6 +289,35 @@
     </p:ext>
   </p:extLst>
 </p:presentation>
+</file>
+
+<file path=ppt/changesInfos/changesInfo1.xml><?xml version="1.0" encoding="utf-8"?>
+<pc:chgInfo xmlns:a="http://schemas.openxmlformats.org/drawingml/2006/main" xmlns:r="http://schemas.openxmlformats.org/officeDocument/2006/relationships" xmlns:ac="http://schemas.microsoft.com/office/drawing/2013/main/command" xmlns:pc="http://schemas.microsoft.com/office/powerpoint/2013/main/command">
+  <pc:docChgLst>
+    <pc:chgData name="Alice Dozier" userId="cb823c14a14cc7f2" providerId="LiveId" clId="{0A5F04B8-DE3A-4352-89E5-99281D4CD5B9}"/>
+    <pc:docChg chg="modSld">
+      <pc:chgData name="Alice Dozier" userId="cb823c14a14cc7f2" providerId="LiveId" clId="{0A5F04B8-DE3A-4352-89E5-99281D4CD5B9}" dt="2019-07-24T16:37:31.733" v="14" actId="20577"/>
+      <pc:docMkLst>
+        <pc:docMk/>
+      </pc:docMkLst>
+      <pc:sldChg chg="modSp">
+        <pc:chgData name="Alice Dozier" userId="cb823c14a14cc7f2" providerId="LiveId" clId="{0A5F04B8-DE3A-4352-89E5-99281D4CD5B9}" dt="2019-07-24T16:37:31.733" v="14" actId="20577"/>
+        <pc:sldMkLst>
+          <pc:docMk/>
+          <pc:sldMk cId="1306557205" sldId="277"/>
+        </pc:sldMkLst>
+        <pc:spChg chg="mod">
+          <ac:chgData name="Alice Dozier" userId="cb823c14a14cc7f2" providerId="LiveId" clId="{0A5F04B8-DE3A-4352-89E5-99281D4CD5B9}" dt="2019-07-24T16:37:31.733" v="14" actId="20577"/>
+          <ac:spMkLst>
+            <pc:docMk/>
+            <pc:sldMk cId="1306557205" sldId="277"/>
+            <ac:spMk id="2" creationId="{4E763DEC-D2D9-4444-8D46-1E57CAC1AC36}"/>
+          </ac:spMkLst>
+        </pc:spChg>
+      </pc:sldChg>
+    </pc:docChg>
+  </pc:docChgLst>
+</pc:chgInfo>
 </file>
 
 <file path=ppt/notesMasters/notesMaster1.xml><?xml version="1.0" encoding="utf-8"?>
@@ -12778,8 +12807,12 @@
           <a:p>
             <a:pPr algn="ctr"/>
             <a:r>
+              <a:rPr lang="en-US" sz="1400"/>
+              <a:t>Tensorflow </a:t>
+            </a:r>
+            <a:r>
               <a:rPr lang="en-US" sz="1400" dirty="0"/>
-              <a:t>Keras Deep Learning Model</a:t>
+              <a:t>Deep Learning Model</a:t>
             </a:r>
           </a:p>
         </p:txBody>
